--- a/slide/Woo_GBE3064_L04.pptx
+++ b/slide/Woo_GBE3064_L04.pptx
@@ -5,7 +5,7 @@
     <p:sldMasterId id="2147483648" r:id="rId1"/>
   </p:sldMasterIdLst>
   <p:notesMasterIdLst>
-    <p:notesMasterId r:id="rId24"/>
+    <p:notesMasterId r:id="rId23"/>
   </p:notesMasterIdLst>
   <p:sldIdLst>
     <p:sldId id="256" r:id="rId2"/>
@@ -21,15 +21,14 @@
     <p:sldId id="269" r:id="rId12"/>
     <p:sldId id="271" r:id="rId13"/>
     <p:sldId id="273" r:id="rId14"/>
-    <p:sldId id="292" r:id="rId15"/>
-    <p:sldId id="274" r:id="rId16"/>
-    <p:sldId id="275" r:id="rId17"/>
-    <p:sldId id="258" r:id="rId18"/>
-    <p:sldId id="305" r:id="rId19"/>
-    <p:sldId id="306" r:id="rId20"/>
-    <p:sldId id="307" r:id="rId21"/>
-    <p:sldId id="308" r:id="rId22"/>
-    <p:sldId id="277" r:id="rId23"/>
+    <p:sldId id="274" r:id="rId15"/>
+    <p:sldId id="275" r:id="rId16"/>
+    <p:sldId id="258" r:id="rId17"/>
+    <p:sldId id="305" r:id="rId18"/>
+    <p:sldId id="306" r:id="rId19"/>
+    <p:sldId id="307" r:id="rId20"/>
+    <p:sldId id="308" r:id="rId21"/>
+    <p:sldId id="277" r:id="rId22"/>
   </p:sldIdLst>
   <p:sldSz cx="12192000" cy="6858000"/>
   <p:notesSz cx="6858000" cy="9144000"/>
@@ -218,7 +217,7 @@
           <a:p>
             <a:fld id="{65F32F1C-A509-984F-9E5B-E228248344CD}" type="datetimeFigureOut">
               <a:rPr kumimoji="1" lang="ko-KR" altLang="en-US" smtClean="0"/>
-              <a:t>2023. 3. 6.</a:t>
+              <a:t>2023. 3. 20.</a:t>
             </a:fld>
             <a:endParaRPr kumimoji="1" lang="ko-KR" altLang="en-US"/>
           </a:p>
@@ -866,7 +865,7 @@
           <a:p>
             <a:fld id="{D1CBEE32-551C-D044-9ECF-F871403689A5}" type="datetimeFigureOut">
               <a:rPr kumimoji="1" lang="ko-KR" altLang="en-US" smtClean="0"/>
-              <a:t>2023. 3. 6.</a:t>
+              <a:t>2023. 3. 20.</a:t>
             </a:fld>
             <a:endParaRPr kumimoji="1" lang="ko-KR" altLang="en-US"/>
           </a:p>
@@ -1034,7 +1033,7 @@
           <a:p>
             <a:fld id="{D1CBEE32-551C-D044-9ECF-F871403689A5}" type="datetimeFigureOut">
               <a:rPr kumimoji="1" lang="ko-KR" altLang="en-US" smtClean="0"/>
-              <a:t>2023. 3. 6.</a:t>
+              <a:t>2023. 3. 20.</a:t>
             </a:fld>
             <a:endParaRPr kumimoji="1" lang="ko-KR" altLang="en-US"/>
           </a:p>
@@ -1212,7 +1211,7 @@
           <a:p>
             <a:fld id="{D1CBEE32-551C-D044-9ECF-F871403689A5}" type="datetimeFigureOut">
               <a:rPr kumimoji="1" lang="ko-KR" altLang="en-US" smtClean="0"/>
-              <a:t>2023. 3. 6.</a:t>
+              <a:t>2023. 3. 20.</a:t>
             </a:fld>
             <a:endParaRPr kumimoji="1" lang="ko-KR" altLang="en-US"/>
           </a:p>
@@ -1380,7 +1379,7 @@
           <a:p>
             <a:fld id="{D1CBEE32-551C-D044-9ECF-F871403689A5}" type="datetimeFigureOut">
               <a:rPr kumimoji="1" lang="ko-KR" altLang="en-US" smtClean="0"/>
-              <a:t>2023. 3. 6.</a:t>
+              <a:t>2023. 3. 20.</a:t>
             </a:fld>
             <a:endParaRPr kumimoji="1" lang="ko-KR" altLang="en-US"/>
           </a:p>
@@ -1625,7 +1624,7 @@
           <a:p>
             <a:fld id="{D1CBEE32-551C-D044-9ECF-F871403689A5}" type="datetimeFigureOut">
               <a:rPr kumimoji="1" lang="ko-KR" altLang="en-US" smtClean="0"/>
-              <a:t>2023. 3. 6.</a:t>
+              <a:t>2023. 3. 20.</a:t>
             </a:fld>
             <a:endParaRPr kumimoji="1" lang="ko-KR" altLang="en-US"/>
           </a:p>
@@ -1854,7 +1853,7 @@
           <a:p>
             <a:fld id="{D1CBEE32-551C-D044-9ECF-F871403689A5}" type="datetimeFigureOut">
               <a:rPr kumimoji="1" lang="ko-KR" altLang="en-US" smtClean="0"/>
-              <a:t>2023. 3. 6.</a:t>
+              <a:t>2023. 3. 20.</a:t>
             </a:fld>
             <a:endParaRPr kumimoji="1" lang="ko-KR" altLang="en-US"/>
           </a:p>
@@ -2218,7 +2217,7 @@
           <a:p>
             <a:fld id="{D1CBEE32-551C-D044-9ECF-F871403689A5}" type="datetimeFigureOut">
               <a:rPr kumimoji="1" lang="ko-KR" altLang="en-US" smtClean="0"/>
-              <a:t>2023. 3. 6.</a:t>
+              <a:t>2023. 3. 20.</a:t>
             </a:fld>
             <a:endParaRPr kumimoji="1" lang="ko-KR" altLang="en-US"/>
           </a:p>
@@ -2335,7 +2334,7 @@
           <a:p>
             <a:fld id="{D1CBEE32-551C-D044-9ECF-F871403689A5}" type="datetimeFigureOut">
               <a:rPr kumimoji="1" lang="ko-KR" altLang="en-US" smtClean="0"/>
-              <a:t>2023. 3. 6.</a:t>
+              <a:t>2023. 3. 20.</a:t>
             </a:fld>
             <a:endParaRPr kumimoji="1" lang="ko-KR" altLang="en-US"/>
           </a:p>
@@ -2430,7 +2429,7 @@
           <a:p>
             <a:fld id="{D1CBEE32-551C-D044-9ECF-F871403689A5}" type="datetimeFigureOut">
               <a:rPr kumimoji="1" lang="ko-KR" altLang="en-US" smtClean="0"/>
-              <a:t>2023. 3. 6.</a:t>
+              <a:t>2023. 3. 20.</a:t>
             </a:fld>
             <a:endParaRPr kumimoji="1" lang="ko-KR" altLang="en-US"/>
           </a:p>
@@ -2705,7 +2704,7 @@
           <a:p>
             <a:fld id="{D1CBEE32-551C-D044-9ECF-F871403689A5}" type="datetimeFigureOut">
               <a:rPr kumimoji="1" lang="ko-KR" altLang="en-US" smtClean="0"/>
-              <a:t>2023. 3. 6.</a:t>
+              <a:t>2023. 3. 20.</a:t>
             </a:fld>
             <a:endParaRPr kumimoji="1" lang="ko-KR" altLang="en-US"/>
           </a:p>
@@ -2957,7 +2956,7 @@
           <a:p>
             <a:fld id="{D1CBEE32-551C-D044-9ECF-F871403689A5}" type="datetimeFigureOut">
               <a:rPr kumimoji="1" lang="ko-KR" altLang="en-US" smtClean="0"/>
-              <a:t>2023. 3. 6.</a:t>
+              <a:t>2023. 3. 20.</a:t>
             </a:fld>
             <a:endParaRPr kumimoji="1" lang="ko-KR" altLang="en-US"/>
           </a:p>
@@ -3168,7 +3167,7 @@
           <a:p>
             <a:fld id="{D1CBEE32-551C-D044-9ECF-F871403689A5}" type="datetimeFigureOut">
               <a:rPr kumimoji="1" lang="ko-KR" altLang="en-US" smtClean="0"/>
-              <a:t>2023. 3. 6.</a:t>
+              <a:t>2023. 3. 20.</a:t>
             </a:fld>
             <a:endParaRPr kumimoji="1" lang="ko-KR" altLang="en-US"/>
           </a:p>
@@ -8189,363 +8188,6 @@
         <p:spPr>
           <a:xfrm>
             <a:off x="216491" y="222608"/>
-            <a:ext cx="1000595" cy="523220"/>
-          </a:xfrm>
-          <a:prstGeom prst="rect">
-            <a:avLst/>
-          </a:prstGeom>
-        </p:spPr>
-        <p:txBody>
-          <a:bodyPr wrap="none">
-            <a:spAutoFit/>
-          </a:bodyPr>
-          <a:lstStyle/>
-          <a:p>
-            <a:r>
-              <a:rPr lang="en-US" altLang="ko-KR" sz="2800" dirty="0">
-                <a:latin typeface="Seravek" charset="0"/>
-                <a:ea typeface="Seravek" charset="0"/>
-                <a:cs typeface="Seravek" charset="0"/>
-              </a:rPr>
-              <a:t>Quiz!</a:t>
-            </a:r>
-            <a:endParaRPr lang="ko-KR" altLang="en-US" sz="2800" dirty="0">
-              <a:latin typeface="Seravek" charset="0"/>
-              <a:ea typeface="Seravek" charset="0"/>
-              <a:cs typeface="Seravek" charset="0"/>
-            </a:endParaRPr>
-          </a:p>
-        </p:txBody>
-      </p:sp>
-      <p:sp>
-        <p:nvSpPr>
-          <p:cNvPr id="3" name="직사각형 2">
-            <a:extLst>
-              <a:ext uri="{FF2B5EF4-FFF2-40B4-BE49-F238E27FC236}">
-                <a16:creationId xmlns:a16="http://schemas.microsoft.com/office/drawing/2014/main" id="{32720785-54B0-E545-A6B2-2FB0DC789247}"/>
-              </a:ext>
-            </a:extLst>
-          </p:cNvPr>
-          <p:cNvSpPr/>
-          <p:nvPr/>
-        </p:nvSpPr>
-        <p:spPr>
-          <a:xfrm>
-            <a:off x="4015687" y="2782669"/>
-            <a:ext cx="4083939" cy="369332"/>
-          </a:xfrm>
-          <a:prstGeom prst="rect">
-            <a:avLst/>
-          </a:prstGeom>
-        </p:spPr>
-        <p:txBody>
-          <a:bodyPr wrap="none">
-            <a:spAutoFit/>
-          </a:bodyPr>
-          <a:lstStyle/>
-          <a:p>
-            <a:r>
-              <a:rPr lang="en-US" altLang="ko-Kore-KR" dirty="0">
-                <a:latin typeface="Seravek Light" panose="020B0503040000020004" pitchFamily="34" charset="0"/>
-                <a:hlinkClick r:id="rId6"/>
-              </a:rPr>
-              <a:t>https://forms.gle/sdnQE5VUxiHdfZoTA</a:t>
-            </a:r>
-            <a:r>
-              <a:rPr lang="en-US" altLang="ko-Kore-KR" dirty="0">
-                <a:latin typeface="Seravek Light" panose="020B0503040000020004" pitchFamily="34" charset="0"/>
-              </a:rPr>
-              <a:t> </a:t>
-            </a:r>
-            <a:endParaRPr lang="ko-Kore-KR" altLang="en-US" dirty="0">
-              <a:latin typeface="Seravek Light" panose="020B0503040000020004" pitchFamily="34" charset="0"/>
-            </a:endParaRPr>
-          </a:p>
-        </p:txBody>
-      </p:sp>
-    </p:spTree>
-    <p:extLst>
-      <p:ext uri="{BB962C8B-B14F-4D97-AF65-F5344CB8AC3E}">
-        <p14:creationId xmlns:p14="http://schemas.microsoft.com/office/powerpoint/2010/main" val="2830448158"/>
-      </p:ext>
-    </p:extLst>
-  </p:cSld>
-  <p:clrMapOvr>
-    <a:masterClrMapping/>
-  </p:clrMapOvr>
-</p:sld>
-</file>
-
-<file path=ppt/slides/slide15.xml><?xml version="1.0" encoding="utf-8"?>
-<p:sld xmlns:a="http://schemas.openxmlformats.org/drawingml/2006/main" xmlns:r="http://schemas.openxmlformats.org/officeDocument/2006/relationships" xmlns:p="http://schemas.openxmlformats.org/presentationml/2006/main">
-  <p:cSld>
-    <p:spTree>
-      <p:nvGrpSpPr>
-        <p:cNvPr id="1" name=""/>
-        <p:cNvGrpSpPr/>
-        <p:nvPr/>
-      </p:nvGrpSpPr>
-      <p:grpSpPr>
-        <a:xfrm>
-          <a:off x="0" y="0"/>
-          <a:ext cx="0" cy="0"/>
-          <a:chOff x="0" y="0"/>
-          <a:chExt cx="0" cy="0"/>
-        </a:xfrm>
-      </p:grpSpPr>
-      <p:grpSp>
-        <p:nvGrpSpPr>
-          <p:cNvPr id="8" name="그룹 7"/>
-          <p:cNvGrpSpPr/>
-          <p:nvPr/>
-        </p:nvGrpSpPr>
-        <p:grpSpPr>
-          <a:xfrm>
-            <a:off x="10422294" y="6186196"/>
-            <a:ext cx="1661681" cy="671804"/>
-            <a:chOff x="18662" y="6209254"/>
-            <a:chExt cx="1661681" cy="671804"/>
-          </a:xfrm>
-        </p:grpSpPr>
-        <p:pic>
-          <p:nvPicPr>
-            <p:cNvPr id="5" name="그림 4"/>
-            <p:cNvPicPr>
-              <a:picLocks noChangeAspect="1"/>
-            </p:cNvPicPr>
-            <p:nvPr/>
-          </p:nvPicPr>
-          <p:blipFill>
-            <a:blip r:embed="rId2">
-              <a:extLst>
-                <a:ext uri="{28A0092B-C50C-407E-A947-70E740481C1C}">
-                  <a14:useLocalDpi xmlns:a14="http://schemas.microsoft.com/office/drawing/2010/main" val="0"/>
-                </a:ext>
-              </a:extLst>
-            </a:blip>
-            <a:stretch>
-              <a:fillRect/>
-            </a:stretch>
-          </p:blipFill>
-          <p:spPr>
-            <a:xfrm>
-              <a:off x="18662" y="6209254"/>
-              <a:ext cx="671804" cy="671804"/>
-            </a:xfrm>
-            <a:prstGeom prst="rect">
-              <a:avLst/>
-            </a:prstGeom>
-          </p:spPr>
-        </p:pic>
-        <p:pic>
-          <p:nvPicPr>
-            <p:cNvPr id="6" name="그림 5"/>
-            <p:cNvPicPr>
-              <a:picLocks noChangeAspect="1"/>
-            </p:cNvPicPr>
-            <p:nvPr/>
-          </p:nvPicPr>
-          <p:blipFill>
-            <a:blip r:embed="rId3"/>
-            <a:stretch>
-              <a:fillRect/>
-            </a:stretch>
-          </p:blipFill>
-          <p:spPr>
-            <a:xfrm>
-              <a:off x="625149" y="6262887"/>
-              <a:ext cx="597215" cy="517044"/>
-            </a:xfrm>
-            <a:prstGeom prst="rect">
-              <a:avLst/>
-            </a:prstGeom>
-          </p:spPr>
-        </p:pic>
-        <p:pic>
-          <p:nvPicPr>
-            <p:cNvPr id="7" name="그림 6"/>
-            <p:cNvPicPr>
-              <a:picLocks noChangeAspect="1"/>
-            </p:cNvPicPr>
-            <p:nvPr/>
-          </p:nvPicPr>
-          <p:blipFill>
-            <a:blip r:embed="rId4">
-              <a:extLst>
-                <a:ext uri="{28A0092B-C50C-407E-A947-70E740481C1C}">
-                  <a14:useLocalDpi xmlns:a14="http://schemas.microsoft.com/office/drawing/2010/main" val="0"/>
-                </a:ext>
-              </a:extLst>
-            </a:blip>
-            <a:stretch>
-              <a:fillRect/>
-            </a:stretch>
-          </p:blipFill>
-          <p:spPr>
-            <a:xfrm>
-              <a:off x="1241804" y="6322730"/>
-              <a:ext cx="438539" cy="438539"/>
-            </a:xfrm>
-            <a:prstGeom prst="rect">
-              <a:avLst/>
-            </a:prstGeom>
-          </p:spPr>
-        </p:pic>
-      </p:grpSp>
-      <p:sp>
-        <p:nvSpPr>
-          <p:cNvPr id="9" name="직사각형 8"/>
-          <p:cNvSpPr/>
-          <p:nvPr/>
-        </p:nvSpPr>
-        <p:spPr>
-          <a:xfrm>
-            <a:off x="0" y="0"/>
-            <a:ext cx="12192000" cy="102769"/>
-          </a:xfrm>
-          <a:prstGeom prst="rect">
-            <a:avLst/>
-          </a:prstGeom>
-          <a:solidFill>
-            <a:schemeClr val="accent6">
-              <a:lumMod val="60000"/>
-              <a:lumOff val="40000"/>
-            </a:schemeClr>
-          </a:solidFill>
-          <a:ln>
-            <a:noFill/>
-          </a:ln>
-        </p:spPr>
-        <p:style>
-          <a:lnRef idx="2">
-            <a:schemeClr val="accent1">
-              <a:shade val="50000"/>
-            </a:schemeClr>
-          </a:lnRef>
-          <a:fillRef idx="1">
-            <a:schemeClr val="accent1"/>
-          </a:fillRef>
-          <a:effectRef idx="0">
-            <a:schemeClr val="accent1"/>
-          </a:effectRef>
-          <a:fontRef idx="minor">
-            <a:schemeClr val="lt1"/>
-          </a:fontRef>
-        </p:style>
-        <p:txBody>
-          <a:bodyPr rtlCol="0" anchor="ctr"/>
-          <a:lstStyle/>
-          <a:p>
-            <a:pPr algn="ctr"/>
-            <a:endParaRPr kumimoji="1" lang="ko-KR" altLang="en-US" dirty="0">
-              <a:latin typeface="PT Sans Narrow" charset="-52"/>
-              <a:ea typeface="PT Sans Narrow" charset="-52"/>
-              <a:cs typeface="PT Sans Narrow" charset="-52"/>
-            </a:endParaRPr>
-          </a:p>
-        </p:txBody>
-      </p:sp>
-      <p:sp>
-        <p:nvSpPr>
-          <p:cNvPr id="10" name="직사각형 9"/>
-          <p:cNvSpPr/>
-          <p:nvPr/>
-        </p:nvSpPr>
-        <p:spPr>
-          <a:xfrm>
-            <a:off x="9894433" y="84109"/>
-            <a:ext cx="2301508" cy="276999"/>
-          </a:xfrm>
-          <a:prstGeom prst="rect">
-            <a:avLst/>
-          </a:prstGeom>
-        </p:spPr>
-        <p:txBody>
-          <a:bodyPr wrap="square">
-            <a:spAutoFit/>
-          </a:bodyPr>
-          <a:lstStyle/>
-          <a:p>
-            <a:pPr algn="r"/>
-            <a:r>
-              <a:rPr lang="en-US" altLang="ko-KR" sz="1200" dirty="0">
-                <a:latin typeface="Seravek Light" charset="0"/>
-                <a:ea typeface="Seravek Light" charset="0"/>
-                <a:cs typeface="Seravek Light" charset="0"/>
-              </a:rPr>
-              <a:t>Lecture </a:t>
-            </a:r>
-            <a:r>
-              <a:rPr lang="en-US" altLang="ko-KR" sz="1200">
-                <a:latin typeface="Seravek Light" charset="0"/>
-                <a:ea typeface="Seravek Light" charset="0"/>
-                <a:cs typeface="Seravek Light" charset="0"/>
-              </a:rPr>
-              <a:t>04   </a:t>
-            </a:r>
-            <a:endParaRPr lang="ko-KR" altLang="en-US" sz="1200" dirty="0">
-              <a:latin typeface="Seravek Light" charset="0"/>
-              <a:ea typeface="Seravek Light" charset="0"/>
-              <a:cs typeface="Seravek Light" charset="0"/>
-            </a:endParaRPr>
-          </a:p>
-        </p:txBody>
-      </p:sp>
-      <p:sp>
-        <p:nvSpPr>
-          <p:cNvPr id="11" name="직사각형 10"/>
-          <p:cNvSpPr/>
-          <p:nvPr/>
-        </p:nvSpPr>
-        <p:spPr>
-          <a:xfrm>
-            <a:off x="69202" y="6518941"/>
-            <a:ext cx="4169731" cy="261610"/>
-          </a:xfrm>
-          <a:prstGeom prst="rect">
-            <a:avLst/>
-          </a:prstGeom>
-        </p:spPr>
-        <p:txBody>
-          <a:bodyPr wrap="none">
-            <a:spAutoFit/>
-          </a:bodyPr>
-          <a:lstStyle/>
-          <a:p>
-            <a:r>
-              <a:rPr lang="en-US" altLang="ko-KR" sz="1100" dirty="0">
-                <a:latin typeface="Seravek Light" charset="0"/>
-                <a:ea typeface="Seravek Light" charset="0"/>
-                <a:cs typeface="Seravek Light" charset="0"/>
-              </a:rPr>
-              <a:t>CHOONG-WAN WOO  |  COCOAN lab  |  </a:t>
-            </a:r>
-            <a:r>
-              <a:rPr lang="en-US" altLang="ko-KR" sz="1100" dirty="0">
-                <a:latin typeface="Seravek Light" charset="0"/>
-                <a:ea typeface="Seravek Light" charset="0"/>
-                <a:cs typeface="Seravek Light" charset="0"/>
-                <a:hlinkClick r:id="rId5"/>
-              </a:rPr>
-              <a:t>http://cocoanlab.github.io</a:t>
-            </a:r>
-            <a:endParaRPr lang="en-US" altLang="ko-KR" sz="1100" dirty="0">
-              <a:latin typeface="Seravek Light" charset="0"/>
-              <a:ea typeface="Seravek Light" charset="0"/>
-              <a:cs typeface="Seravek Light" charset="0"/>
-            </a:endParaRPr>
-          </a:p>
-        </p:txBody>
-      </p:sp>
-      <p:sp>
-        <p:nvSpPr>
-          <p:cNvPr id="2" name="직사각형 1"/>
-          <p:cNvSpPr/>
-          <p:nvPr/>
-        </p:nvSpPr>
-        <p:spPr>
-          <a:xfrm>
-            <a:off x="216491" y="222608"/>
             <a:ext cx="3439596" cy="523220"/>
           </a:xfrm>
           <a:prstGeom prst="rect">
@@ -8931,7 +8573,7 @@
 </p:sld>
 </file>
 
-<file path=ppt/slides/slide16.xml><?xml version="1.0" encoding="utf-8"?>
+<file path=ppt/slides/slide15.xml><?xml version="1.0" encoding="utf-8"?>
 <p:sld xmlns:a="http://schemas.openxmlformats.org/drawingml/2006/main" xmlns:r="http://schemas.openxmlformats.org/officeDocument/2006/relationships" xmlns:p="http://schemas.openxmlformats.org/presentationml/2006/main">
   <p:cSld>
     <p:spTree>
@@ -9763,7 +9405,7 @@
 </p:sld>
 </file>
 
-<file path=ppt/slides/slide17.xml><?xml version="1.0" encoding="utf-8"?>
+<file path=ppt/slides/slide16.xml><?xml version="1.0" encoding="utf-8"?>
 <p:sld xmlns:a="http://schemas.openxmlformats.org/drawingml/2006/main" xmlns:r="http://schemas.openxmlformats.org/officeDocument/2006/relationships" xmlns:p="http://schemas.openxmlformats.org/presentationml/2006/main">
   <p:cSld>
     <p:spTree>
@@ -10488,7 +10130,7 @@
 </p:sld>
 </file>
 
-<file path=ppt/slides/slide18.xml><?xml version="1.0" encoding="utf-8"?>
+<file path=ppt/slides/slide17.xml><?xml version="1.0" encoding="utf-8"?>
 <p:sld xmlns:a="http://schemas.openxmlformats.org/drawingml/2006/main" xmlns:r="http://schemas.openxmlformats.org/officeDocument/2006/relationships" xmlns:p="http://schemas.openxmlformats.org/presentationml/2006/main">
   <p:cSld>
     <p:spTree>
@@ -11147,7 +10789,7 @@
 </p:sld>
 </file>
 
-<file path=ppt/slides/slide19.xml><?xml version="1.0" encoding="utf-8"?>
+<file path=ppt/slides/slide18.xml><?xml version="1.0" encoding="utf-8"?>
 <p:sld xmlns:a="http://schemas.openxmlformats.org/drawingml/2006/main" xmlns:r="http://schemas.openxmlformats.org/officeDocument/2006/relationships" xmlns:p="http://schemas.openxmlformats.org/presentationml/2006/main">
   <p:cSld>
     <p:spTree>
@@ -12203,556 +11845,7 @@
 </p:sld>
 </file>
 
-<file path=ppt/slides/slide2.xml><?xml version="1.0" encoding="utf-8"?>
-<p:sld xmlns:a="http://schemas.openxmlformats.org/drawingml/2006/main" xmlns:r="http://schemas.openxmlformats.org/officeDocument/2006/relationships" xmlns:p="http://schemas.openxmlformats.org/presentationml/2006/main">
-  <p:cSld>
-    <p:spTree>
-      <p:nvGrpSpPr>
-        <p:cNvPr id="1" name=""/>
-        <p:cNvGrpSpPr/>
-        <p:nvPr/>
-      </p:nvGrpSpPr>
-      <p:grpSpPr>
-        <a:xfrm>
-          <a:off x="0" y="0"/>
-          <a:ext cx="0" cy="0"/>
-          <a:chOff x="0" y="0"/>
-          <a:chExt cx="0" cy="0"/>
-        </a:xfrm>
-      </p:grpSpPr>
-      <p:grpSp>
-        <p:nvGrpSpPr>
-          <p:cNvPr id="8" name="그룹 7"/>
-          <p:cNvGrpSpPr/>
-          <p:nvPr/>
-        </p:nvGrpSpPr>
-        <p:grpSpPr>
-          <a:xfrm>
-            <a:off x="10422294" y="6186196"/>
-            <a:ext cx="1661681" cy="671804"/>
-            <a:chOff x="18662" y="6209254"/>
-            <a:chExt cx="1661681" cy="671804"/>
-          </a:xfrm>
-        </p:grpSpPr>
-        <p:pic>
-          <p:nvPicPr>
-            <p:cNvPr id="5" name="그림 4"/>
-            <p:cNvPicPr>
-              <a:picLocks noChangeAspect="1"/>
-            </p:cNvPicPr>
-            <p:nvPr/>
-          </p:nvPicPr>
-          <p:blipFill>
-            <a:blip r:embed="rId2">
-              <a:extLst>
-                <a:ext uri="{28A0092B-C50C-407E-A947-70E740481C1C}">
-                  <a14:useLocalDpi xmlns:a14="http://schemas.microsoft.com/office/drawing/2010/main" val="0"/>
-                </a:ext>
-              </a:extLst>
-            </a:blip>
-            <a:stretch>
-              <a:fillRect/>
-            </a:stretch>
-          </p:blipFill>
-          <p:spPr>
-            <a:xfrm>
-              <a:off x="18662" y="6209254"/>
-              <a:ext cx="671804" cy="671804"/>
-            </a:xfrm>
-            <a:prstGeom prst="rect">
-              <a:avLst/>
-            </a:prstGeom>
-          </p:spPr>
-        </p:pic>
-        <p:pic>
-          <p:nvPicPr>
-            <p:cNvPr id="6" name="그림 5"/>
-            <p:cNvPicPr>
-              <a:picLocks noChangeAspect="1"/>
-            </p:cNvPicPr>
-            <p:nvPr/>
-          </p:nvPicPr>
-          <p:blipFill>
-            <a:blip r:embed="rId3"/>
-            <a:stretch>
-              <a:fillRect/>
-            </a:stretch>
-          </p:blipFill>
-          <p:spPr>
-            <a:xfrm>
-              <a:off x="625149" y="6262887"/>
-              <a:ext cx="597215" cy="517044"/>
-            </a:xfrm>
-            <a:prstGeom prst="rect">
-              <a:avLst/>
-            </a:prstGeom>
-          </p:spPr>
-        </p:pic>
-        <p:pic>
-          <p:nvPicPr>
-            <p:cNvPr id="7" name="그림 6"/>
-            <p:cNvPicPr>
-              <a:picLocks noChangeAspect="1"/>
-            </p:cNvPicPr>
-            <p:nvPr/>
-          </p:nvPicPr>
-          <p:blipFill>
-            <a:blip r:embed="rId4">
-              <a:extLst>
-                <a:ext uri="{28A0092B-C50C-407E-A947-70E740481C1C}">
-                  <a14:useLocalDpi xmlns:a14="http://schemas.microsoft.com/office/drawing/2010/main" val="0"/>
-                </a:ext>
-              </a:extLst>
-            </a:blip>
-            <a:stretch>
-              <a:fillRect/>
-            </a:stretch>
-          </p:blipFill>
-          <p:spPr>
-            <a:xfrm>
-              <a:off x="1241804" y="6322730"/>
-              <a:ext cx="438539" cy="438539"/>
-            </a:xfrm>
-            <a:prstGeom prst="rect">
-              <a:avLst/>
-            </a:prstGeom>
-          </p:spPr>
-        </p:pic>
-      </p:grpSp>
-      <p:sp>
-        <p:nvSpPr>
-          <p:cNvPr id="9" name="직사각형 8"/>
-          <p:cNvSpPr/>
-          <p:nvPr/>
-        </p:nvSpPr>
-        <p:spPr>
-          <a:xfrm>
-            <a:off x="0" y="0"/>
-            <a:ext cx="12192000" cy="102769"/>
-          </a:xfrm>
-          <a:prstGeom prst="rect">
-            <a:avLst/>
-          </a:prstGeom>
-          <a:solidFill>
-            <a:schemeClr val="accent6">
-              <a:lumMod val="60000"/>
-              <a:lumOff val="40000"/>
-            </a:schemeClr>
-          </a:solidFill>
-          <a:ln>
-            <a:noFill/>
-          </a:ln>
-        </p:spPr>
-        <p:style>
-          <a:lnRef idx="2">
-            <a:schemeClr val="accent1">
-              <a:shade val="50000"/>
-            </a:schemeClr>
-          </a:lnRef>
-          <a:fillRef idx="1">
-            <a:schemeClr val="accent1"/>
-          </a:fillRef>
-          <a:effectRef idx="0">
-            <a:schemeClr val="accent1"/>
-          </a:effectRef>
-          <a:fontRef idx="minor">
-            <a:schemeClr val="lt1"/>
-          </a:fontRef>
-        </p:style>
-        <p:txBody>
-          <a:bodyPr rtlCol="0" anchor="ctr"/>
-          <a:lstStyle/>
-          <a:p>
-            <a:pPr algn="ctr"/>
-            <a:endParaRPr kumimoji="1" lang="ko-KR" altLang="en-US" dirty="0">
-              <a:latin typeface="PT Sans Narrow" charset="-52"/>
-              <a:ea typeface="PT Sans Narrow" charset="-52"/>
-              <a:cs typeface="PT Sans Narrow" charset="-52"/>
-            </a:endParaRPr>
-          </a:p>
-        </p:txBody>
-      </p:sp>
-      <p:sp>
-        <p:nvSpPr>
-          <p:cNvPr id="10" name="직사각형 9"/>
-          <p:cNvSpPr/>
-          <p:nvPr/>
-        </p:nvSpPr>
-        <p:spPr>
-          <a:xfrm>
-            <a:off x="9894433" y="84109"/>
-            <a:ext cx="2301508" cy="276999"/>
-          </a:xfrm>
-          <a:prstGeom prst="rect">
-            <a:avLst/>
-          </a:prstGeom>
-        </p:spPr>
-        <p:txBody>
-          <a:bodyPr wrap="square">
-            <a:spAutoFit/>
-          </a:bodyPr>
-          <a:lstStyle/>
-          <a:p>
-            <a:pPr algn="r"/>
-            <a:r>
-              <a:rPr lang="en-US" altLang="ko-KR" sz="1200" dirty="0">
-                <a:latin typeface="Seravek Light" charset="0"/>
-                <a:ea typeface="Seravek Light" charset="0"/>
-                <a:cs typeface="Seravek Light" charset="0"/>
-              </a:rPr>
-              <a:t>From Lecture 03  </a:t>
-            </a:r>
-            <a:endParaRPr lang="ko-KR" altLang="en-US" sz="1200" dirty="0">
-              <a:latin typeface="Seravek Light" charset="0"/>
-              <a:ea typeface="Seravek Light" charset="0"/>
-              <a:cs typeface="Seravek Light" charset="0"/>
-            </a:endParaRPr>
-          </a:p>
-        </p:txBody>
-      </p:sp>
-      <p:sp>
-        <p:nvSpPr>
-          <p:cNvPr id="11" name="직사각형 10"/>
-          <p:cNvSpPr/>
-          <p:nvPr/>
-        </p:nvSpPr>
-        <p:spPr>
-          <a:xfrm>
-            <a:off x="69202" y="6518941"/>
-            <a:ext cx="4169731" cy="261610"/>
-          </a:xfrm>
-          <a:prstGeom prst="rect">
-            <a:avLst/>
-          </a:prstGeom>
-        </p:spPr>
-        <p:txBody>
-          <a:bodyPr wrap="none">
-            <a:spAutoFit/>
-          </a:bodyPr>
-          <a:lstStyle/>
-          <a:p>
-            <a:r>
-              <a:rPr lang="en-US" altLang="ko-KR" sz="1100" dirty="0">
-                <a:latin typeface="Seravek Light" charset="0"/>
-                <a:ea typeface="Seravek Light" charset="0"/>
-                <a:cs typeface="Seravek Light" charset="0"/>
-              </a:rPr>
-              <a:t>CHOONG-WAN WOO  |  COCOAN lab  |  </a:t>
-            </a:r>
-            <a:r>
-              <a:rPr lang="en-US" altLang="ko-KR" sz="1100" dirty="0">
-                <a:latin typeface="Seravek Light" charset="0"/>
-                <a:ea typeface="Seravek Light" charset="0"/>
-                <a:cs typeface="Seravek Light" charset="0"/>
-                <a:hlinkClick r:id="rId5"/>
-              </a:rPr>
-              <a:t>http://cocoanlab.github.io</a:t>
-            </a:r>
-            <a:endParaRPr lang="en-US" altLang="ko-KR" sz="1100" dirty="0">
-              <a:latin typeface="Seravek Light" charset="0"/>
-              <a:ea typeface="Seravek Light" charset="0"/>
-              <a:cs typeface="Seravek Light" charset="0"/>
-            </a:endParaRPr>
-          </a:p>
-        </p:txBody>
-      </p:sp>
-      <p:sp>
-        <p:nvSpPr>
-          <p:cNvPr id="2" name="직사각형 1"/>
-          <p:cNvSpPr/>
-          <p:nvPr/>
-        </p:nvSpPr>
-        <p:spPr>
-          <a:xfrm>
-            <a:off x="216491" y="222608"/>
-            <a:ext cx="1758238" cy="523220"/>
-          </a:xfrm>
-          <a:prstGeom prst="rect">
-            <a:avLst/>
-          </a:prstGeom>
-        </p:spPr>
-        <p:txBody>
-          <a:bodyPr wrap="none">
-            <a:spAutoFit/>
-          </a:bodyPr>
-          <a:lstStyle/>
-          <a:p>
-            <a:r>
-              <a:rPr lang="en-US" altLang="ko-KR" sz="2800" dirty="0">
-                <a:latin typeface="Seravek" charset="0"/>
-                <a:ea typeface="Seravek" charset="0"/>
-                <a:cs typeface="Seravek" charset="0"/>
-              </a:rPr>
-              <a:t>Key Points</a:t>
-            </a:r>
-            <a:endParaRPr lang="ko-KR" altLang="en-US" sz="2800" dirty="0">
-              <a:latin typeface="Seravek" charset="0"/>
-              <a:ea typeface="Seravek" charset="0"/>
-              <a:cs typeface="Seravek" charset="0"/>
-            </a:endParaRPr>
-          </a:p>
-        </p:txBody>
-      </p:sp>
-      <p:sp>
-        <p:nvSpPr>
-          <p:cNvPr id="18" name="텍스트 상자 17"/>
-          <p:cNvSpPr txBox="1"/>
-          <p:nvPr/>
-        </p:nvSpPr>
-        <p:spPr>
-          <a:xfrm>
-            <a:off x="1136286" y="989045"/>
-            <a:ext cx="4342599" cy="2751522"/>
-          </a:xfrm>
-          <a:prstGeom prst="rect">
-            <a:avLst/>
-          </a:prstGeom>
-          <a:noFill/>
-        </p:spPr>
-        <p:txBody>
-          <a:bodyPr wrap="none" rtlCol="0">
-            <a:spAutoFit/>
-          </a:bodyPr>
-          <a:lstStyle/>
-          <a:p>
-            <a:pPr>
-              <a:lnSpc>
-                <a:spcPct val="160000"/>
-              </a:lnSpc>
-            </a:pPr>
-            <a:r>
-              <a:rPr lang="en-US" altLang="ko-KR" b="1" dirty="0">
-                <a:latin typeface="Seravek Light" charset="0"/>
-                <a:ea typeface="Seravek Light" charset="0"/>
-                <a:cs typeface="Seravek Light" charset="0"/>
-              </a:rPr>
-              <a:t>Chapter 3: Displaying categorical data</a:t>
-            </a:r>
-          </a:p>
-          <a:p>
-            <a:pPr marL="314325" indent="-314325">
-              <a:lnSpc>
-                <a:spcPct val="160000"/>
-              </a:lnSpc>
-              <a:buFont typeface="Arial" charset="0"/>
-              <a:buChar char="•"/>
-            </a:pPr>
-            <a:r>
-              <a:rPr lang="en-US" altLang="ko-KR" dirty="0">
-                <a:latin typeface="Seravek Light" charset="0"/>
-                <a:ea typeface="Seravek Light" charset="0"/>
-                <a:cs typeface="Seravek Light" charset="0"/>
-              </a:rPr>
-              <a:t>Bar chart for categorical data</a:t>
-            </a:r>
-          </a:p>
-          <a:p>
-            <a:pPr marL="314325" indent="-314325">
-              <a:lnSpc>
-                <a:spcPct val="160000"/>
-              </a:lnSpc>
-              <a:buFont typeface="Arial" charset="0"/>
-              <a:buChar char="•"/>
-            </a:pPr>
-            <a:r>
-              <a:rPr lang="en-US" altLang="ko-KR" dirty="0">
-                <a:latin typeface="Seravek Light" charset="0"/>
-                <a:ea typeface="Seravek Light" charset="0"/>
-                <a:cs typeface="Seravek Light" charset="0"/>
-              </a:rPr>
-              <a:t>Pie chart for proportions of whole</a:t>
-            </a:r>
-          </a:p>
-          <a:p>
-            <a:pPr marL="314325" indent="-314325">
-              <a:lnSpc>
-                <a:spcPct val="160000"/>
-              </a:lnSpc>
-              <a:buFont typeface="Arial" charset="0"/>
-              <a:buChar char="•"/>
-            </a:pPr>
-            <a:r>
-              <a:rPr lang="en-US" altLang="ko-KR" dirty="0">
-                <a:latin typeface="Seravek Light" charset="0"/>
-                <a:ea typeface="Seravek Light" charset="0"/>
-                <a:cs typeface="Seravek Light" charset="0"/>
-              </a:rPr>
-              <a:t>Faithful reporting and the area principle</a:t>
-            </a:r>
-          </a:p>
-          <a:p>
-            <a:pPr marL="314325" indent="-314325">
-              <a:lnSpc>
-                <a:spcPct val="160000"/>
-              </a:lnSpc>
-              <a:buFont typeface="Arial" charset="0"/>
-              <a:buChar char="•"/>
-            </a:pPr>
-            <a:r>
-              <a:rPr lang="en-US" altLang="ko-KR" dirty="0">
-                <a:latin typeface="Seravek Light" charset="0"/>
-                <a:ea typeface="Seravek Light" charset="0"/>
-                <a:cs typeface="Seravek Light" charset="0"/>
-              </a:rPr>
-              <a:t>Contingency tables</a:t>
-            </a:r>
-          </a:p>
-          <a:p>
-            <a:pPr marL="314325" indent="-314325">
-              <a:lnSpc>
-                <a:spcPct val="160000"/>
-              </a:lnSpc>
-              <a:buFont typeface="Arial" charset="0"/>
-              <a:buChar char="•"/>
-            </a:pPr>
-            <a:r>
-              <a:rPr lang="en-US" altLang="ko-KR" dirty="0">
-                <a:latin typeface="Seravek Light" charset="0"/>
-                <a:ea typeface="Seravek Light" charset="0"/>
-                <a:cs typeface="Seravek Light" charset="0"/>
-              </a:rPr>
-              <a:t>Simpson’s paradox</a:t>
-            </a:r>
-          </a:p>
-        </p:txBody>
-      </p:sp>
-      <p:sp>
-        <p:nvSpPr>
-          <p:cNvPr id="12" name="텍스트 상자 11"/>
-          <p:cNvSpPr txBox="1"/>
-          <p:nvPr/>
-        </p:nvSpPr>
-        <p:spPr>
-          <a:xfrm>
-            <a:off x="6210641" y="2992823"/>
-            <a:ext cx="5139677" cy="2751522"/>
-          </a:xfrm>
-          <a:prstGeom prst="rect">
-            <a:avLst/>
-          </a:prstGeom>
-          <a:noFill/>
-        </p:spPr>
-        <p:txBody>
-          <a:bodyPr wrap="none" rtlCol="0">
-            <a:spAutoFit/>
-          </a:bodyPr>
-          <a:lstStyle/>
-          <a:p>
-            <a:pPr>
-              <a:lnSpc>
-                <a:spcPct val="160000"/>
-              </a:lnSpc>
-            </a:pPr>
-            <a:r>
-              <a:rPr lang="en-US" altLang="ko-KR" b="1" dirty="0">
-                <a:latin typeface="Seravek Light" charset="0"/>
-                <a:ea typeface="Seravek Light" charset="0"/>
-                <a:cs typeface="Seravek Light" charset="0"/>
-              </a:rPr>
-              <a:t>Chapter 4: Displaying quantitative data</a:t>
-            </a:r>
-          </a:p>
-          <a:p>
-            <a:pPr marL="314325" indent="-314325">
-              <a:lnSpc>
-                <a:spcPct val="160000"/>
-              </a:lnSpc>
-              <a:buFont typeface="Arial" charset="0"/>
-              <a:buChar char="•"/>
-            </a:pPr>
-            <a:r>
-              <a:rPr lang="en-US" altLang="ko-KR" dirty="0">
-                <a:latin typeface="Seravek Light" charset="0"/>
-                <a:ea typeface="Seravek Light" charset="0"/>
-                <a:cs typeface="Seravek Light" charset="0"/>
-              </a:rPr>
-              <a:t>Histograms, Stem-leaf, dot plots</a:t>
-            </a:r>
-          </a:p>
-          <a:p>
-            <a:pPr marL="314325" indent="-314325">
-              <a:lnSpc>
-                <a:spcPct val="160000"/>
-              </a:lnSpc>
-              <a:buFont typeface="Arial" charset="0"/>
-              <a:buChar char="•"/>
-            </a:pPr>
-            <a:r>
-              <a:rPr lang="en-US" altLang="ko-KR" dirty="0">
-                <a:latin typeface="Seravek Light" charset="0"/>
-                <a:ea typeface="Seravek Light" charset="0"/>
-                <a:cs typeface="Seravek Light" charset="0"/>
-              </a:rPr>
-              <a:t>Shape (mode, symmetrical)</a:t>
-            </a:r>
-          </a:p>
-          <a:p>
-            <a:pPr marL="314325" indent="-314325">
-              <a:lnSpc>
-                <a:spcPct val="160000"/>
-              </a:lnSpc>
-              <a:buFont typeface="Arial" charset="0"/>
-              <a:buChar char="•"/>
-            </a:pPr>
-            <a:r>
-              <a:rPr lang="en-US" altLang="ko-KR" dirty="0">
-                <a:latin typeface="Seravek Light" charset="0"/>
-                <a:ea typeface="Seravek Light" charset="0"/>
-                <a:cs typeface="Seravek Light" charset="0"/>
-              </a:rPr>
-              <a:t>Center (median, mean)</a:t>
-            </a:r>
-          </a:p>
-          <a:p>
-            <a:pPr marL="314325" indent="-314325">
-              <a:lnSpc>
-                <a:spcPct val="160000"/>
-              </a:lnSpc>
-              <a:buFont typeface="Arial" charset="0"/>
-              <a:buChar char="•"/>
-            </a:pPr>
-            <a:r>
-              <a:rPr lang="en-US" altLang="ko-KR" dirty="0">
-                <a:latin typeface="Seravek Light" charset="0"/>
-                <a:ea typeface="Seravek Light" charset="0"/>
-                <a:cs typeface="Seravek Light" charset="0"/>
-              </a:rPr>
-              <a:t>Spread (range, IQR, variance, standard deviation)</a:t>
-            </a:r>
-          </a:p>
-          <a:p>
-            <a:pPr marL="314325" indent="-314325">
-              <a:lnSpc>
-                <a:spcPct val="160000"/>
-              </a:lnSpc>
-              <a:buFont typeface="Arial" charset="0"/>
-              <a:buChar char="•"/>
-            </a:pPr>
-            <a:r>
-              <a:rPr lang="en-US" altLang="ko-KR" dirty="0">
-                <a:latin typeface="Seravek Light" charset="0"/>
-                <a:ea typeface="Seravek Light" charset="0"/>
-                <a:cs typeface="Seravek Light" charset="0"/>
-              </a:rPr>
-              <a:t>Box plots</a:t>
-            </a:r>
-          </a:p>
-        </p:txBody>
-      </p:sp>
-    </p:spTree>
-    <p:extLst>
-      <p:ext uri="{BB962C8B-B14F-4D97-AF65-F5344CB8AC3E}">
-        <p14:creationId xmlns:p14="http://schemas.microsoft.com/office/powerpoint/2010/main" val="2783504484"/>
-      </p:ext>
-    </p:extLst>
-  </p:cSld>
-  <p:clrMapOvr>
-    <a:masterClrMapping/>
-  </p:clrMapOvr>
-</p:sld>
-</file>
-
-<file path=ppt/slides/slide20.xml><?xml version="1.0" encoding="utf-8"?>
+<file path=ppt/slides/slide19.xml><?xml version="1.0" encoding="utf-8"?>
 <p:sld xmlns:a="http://schemas.openxmlformats.org/drawingml/2006/main" xmlns:r="http://schemas.openxmlformats.org/officeDocument/2006/relationships" xmlns:p="http://schemas.openxmlformats.org/presentationml/2006/main">
   <p:cSld>
     <p:spTree>
@@ -13644,7 +12737,556 @@
 </p:sld>
 </file>
 
-<file path=ppt/slides/slide21.xml><?xml version="1.0" encoding="utf-8"?>
+<file path=ppt/slides/slide2.xml><?xml version="1.0" encoding="utf-8"?>
+<p:sld xmlns:a="http://schemas.openxmlformats.org/drawingml/2006/main" xmlns:r="http://schemas.openxmlformats.org/officeDocument/2006/relationships" xmlns:p="http://schemas.openxmlformats.org/presentationml/2006/main">
+  <p:cSld>
+    <p:spTree>
+      <p:nvGrpSpPr>
+        <p:cNvPr id="1" name=""/>
+        <p:cNvGrpSpPr/>
+        <p:nvPr/>
+      </p:nvGrpSpPr>
+      <p:grpSpPr>
+        <a:xfrm>
+          <a:off x="0" y="0"/>
+          <a:ext cx="0" cy="0"/>
+          <a:chOff x="0" y="0"/>
+          <a:chExt cx="0" cy="0"/>
+        </a:xfrm>
+      </p:grpSpPr>
+      <p:grpSp>
+        <p:nvGrpSpPr>
+          <p:cNvPr id="8" name="그룹 7"/>
+          <p:cNvGrpSpPr/>
+          <p:nvPr/>
+        </p:nvGrpSpPr>
+        <p:grpSpPr>
+          <a:xfrm>
+            <a:off x="10422294" y="6186196"/>
+            <a:ext cx="1661681" cy="671804"/>
+            <a:chOff x="18662" y="6209254"/>
+            <a:chExt cx="1661681" cy="671804"/>
+          </a:xfrm>
+        </p:grpSpPr>
+        <p:pic>
+          <p:nvPicPr>
+            <p:cNvPr id="5" name="그림 4"/>
+            <p:cNvPicPr>
+              <a:picLocks noChangeAspect="1"/>
+            </p:cNvPicPr>
+            <p:nvPr/>
+          </p:nvPicPr>
+          <p:blipFill>
+            <a:blip r:embed="rId2">
+              <a:extLst>
+                <a:ext uri="{28A0092B-C50C-407E-A947-70E740481C1C}">
+                  <a14:useLocalDpi xmlns:a14="http://schemas.microsoft.com/office/drawing/2010/main" val="0"/>
+                </a:ext>
+              </a:extLst>
+            </a:blip>
+            <a:stretch>
+              <a:fillRect/>
+            </a:stretch>
+          </p:blipFill>
+          <p:spPr>
+            <a:xfrm>
+              <a:off x="18662" y="6209254"/>
+              <a:ext cx="671804" cy="671804"/>
+            </a:xfrm>
+            <a:prstGeom prst="rect">
+              <a:avLst/>
+            </a:prstGeom>
+          </p:spPr>
+        </p:pic>
+        <p:pic>
+          <p:nvPicPr>
+            <p:cNvPr id="6" name="그림 5"/>
+            <p:cNvPicPr>
+              <a:picLocks noChangeAspect="1"/>
+            </p:cNvPicPr>
+            <p:nvPr/>
+          </p:nvPicPr>
+          <p:blipFill>
+            <a:blip r:embed="rId3"/>
+            <a:stretch>
+              <a:fillRect/>
+            </a:stretch>
+          </p:blipFill>
+          <p:spPr>
+            <a:xfrm>
+              <a:off x="625149" y="6262887"/>
+              <a:ext cx="597215" cy="517044"/>
+            </a:xfrm>
+            <a:prstGeom prst="rect">
+              <a:avLst/>
+            </a:prstGeom>
+          </p:spPr>
+        </p:pic>
+        <p:pic>
+          <p:nvPicPr>
+            <p:cNvPr id="7" name="그림 6"/>
+            <p:cNvPicPr>
+              <a:picLocks noChangeAspect="1"/>
+            </p:cNvPicPr>
+            <p:nvPr/>
+          </p:nvPicPr>
+          <p:blipFill>
+            <a:blip r:embed="rId4">
+              <a:extLst>
+                <a:ext uri="{28A0092B-C50C-407E-A947-70E740481C1C}">
+                  <a14:useLocalDpi xmlns:a14="http://schemas.microsoft.com/office/drawing/2010/main" val="0"/>
+                </a:ext>
+              </a:extLst>
+            </a:blip>
+            <a:stretch>
+              <a:fillRect/>
+            </a:stretch>
+          </p:blipFill>
+          <p:spPr>
+            <a:xfrm>
+              <a:off x="1241804" y="6322730"/>
+              <a:ext cx="438539" cy="438539"/>
+            </a:xfrm>
+            <a:prstGeom prst="rect">
+              <a:avLst/>
+            </a:prstGeom>
+          </p:spPr>
+        </p:pic>
+      </p:grpSp>
+      <p:sp>
+        <p:nvSpPr>
+          <p:cNvPr id="9" name="직사각형 8"/>
+          <p:cNvSpPr/>
+          <p:nvPr/>
+        </p:nvSpPr>
+        <p:spPr>
+          <a:xfrm>
+            <a:off x="0" y="0"/>
+            <a:ext cx="12192000" cy="102769"/>
+          </a:xfrm>
+          <a:prstGeom prst="rect">
+            <a:avLst/>
+          </a:prstGeom>
+          <a:solidFill>
+            <a:schemeClr val="accent6">
+              <a:lumMod val="60000"/>
+              <a:lumOff val="40000"/>
+            </a:schemeClr>
+          </a:solidFill>
+          <a:ln>
+            <a:noFill/>
+          </a:ln>
+        </p:spPr>
+        <p:style>
+          <a:lnRef idx="2">
+            <a:schemeClr val="accent1">
+              <a:shade val="50000"/>
+            </a:schemeClr>
+          </a:lnRef>
+          <a:fillRef idx="1">
+            <a:schemeClr val="accent1"/>
+          </a:fillRef>
+          <a:effectRef idx="0">
+            <a:schemeClr val="accent1"/>
+          </a:effectRef>
+          <a:fontRef idx="minor">
+            <a:schemeClr val="lt1"/>
+          </a:fontRef>
+        </p:style>
+        <p:txBody>
+          <a:bodyPr rtlCol="0" anchor="ctr"/>
+          <a:lstStyle/>
+          <a:p>
+            <a:pPr algn="ctr"/>
+            <a:endParaRPr kumimoji="1" lang="ko-KR" altLang="en-US" dirty="0">
+              <a:latin typeface="PT Sans Narrow" charset="-52"/>
+              <a:ea typeface="PT Sans Narrow" charset="-52"/>
+              <a:cs typeface="PT Sans Narrow" charset="-52"/>
+            </a:endParaRPr>
+          </a:p>
+        </p:txBody>
+      </p:sp>
+      <p:sp>
+        <p:nvSpPr>
+          <p:cNvPr id="10" name="직사각형 9"/>
+          <p:cNvSpPr/>
+          <p:nvPr/>
+        </p:nvSpPr>
+        <p:spPr>
+          <a:xfrm>
+            <a:off x="9894433" y="84109"/>
+            <a:ext cx="2301508" cy="276999"/>
+          </a:xfrm>
+          <a:prstGeom prst="rect">
+            <a:avLst/>
+          </a:prstGeom>
+        </p:spPr>
+        <p:txBody>
+          <a:bodyPr wrap="square">
+            <a:spAutoFit/>
+          </a:bodyPr>
+          <a:lstStyle/>
+          <a:p>
+            <a:pPr algn="r"/>
+            <a:r>
+              <a:rPr lang="en-US" altLang="ko-KR" sz="1200" dirty="0">
+                <a:latin typeface="Seravek Light" charset="0"/>
+                <a:ea typeface="Seravek Light" charset="0"/>
+                <a:cs typeface="Seravek Light" charset="0"/>
+              </a:rPr>
+              <a:t>From Lecture 03  </a:t>
+            </a:r>
+            <a:endParaRPr lang="ko-KR" altLang="en-US" sz="1200" dirty="0">
+              <a:latin typeface="Seravek Light" charset="0"/>
+              <a:ea typeface="Seravek Light" charset="0"/>
+              <a:cs typeface="Seravek Light" charset="0"/>
+            </a:endParaRPr>
+          </a:p>
+        </p:txBody>
+      </p:sp>
+      <p:sp>
+        <p:nvSpPr>
+          <p:cNvPr id="11" name="직사각형 10"/>
+          <p:cNvSpPr/>
+          <p:nvPr/>
+        </p:nvSpPr>
+        <p:spPr>
+          <a:xfrm>
+            <a:off x="69202" y="6518941"/>
+            <a:ext cx="4169731" cy="261610"/>
+          </a:xfrm>
+          <a:prstGeom prst="rect">
+            <a:avLst/>
+          </a:prstGeom>
+        </p:spPr>
+        <p:txBody>
+          <a:bodyPr wrap="none">
+            <a:spAutoFit/>
+          </a:bodyPr>
+          <a:lstStyle/>
+          <a:p>
+            <a:r>
+              <a:rPr lang="en-US" altLang="ko-KR" sz="1100" dirty="0">
+                <a:latin typeface="Seravek Light" charset="0"/>
+                <a:ea typeface="Seravek Light" charset="0"/>
+                <a:cs typeface="Seravek Light" charset="0"/>
+              </a:rPr>
+              <a:t>CHOONG-WAN WOO  |  COCOAN lab  |  </a:t>
+            </a:r>
+            <a:r>
+              <a:rPr lang="en-US" altLang="ko-KR" sz="1100" dirty="0">
+                <a:latin typeface="Seravek Light" charset="0"/>
+                <a:ea typeface="Seravek Light" charset="0"/>
+                <a:cs typeface="Seravek Light" charset="0"/>
+                <a:hlinkClick r:id="rId5"/>
+              </a:rPr>
+              <a:t>http://cocoanlab.github.io</a:t>
+            </a:r>
+            <a:endParaRPr lang="en-US" altLang="ko-KR" sz="1100" dirty="0">
+              <a:latin typeface="Seravek Light" charset="0"/>
+              <a:ea typeface="Seravek Light" charset="0"/>
+              <a:cs typeface="Seravek Light" charset="0"/>
+            </a:endParaRPr>
+          </a:p>
+        </p:txBody>
+      </p:sp>
+      <p:sp>
+        <p:nvSpPr>
+          <p:cNvPr id="2" name="직사각형 1"/>
+          <p:cNvSpPr/>
+          <p:nvPr/>
+        </p:nvSpPr>
+        <p:spPr>
+          <a:xfrm>
+            <a:off x="216491" y="222608"/>
+            <a:ext cx="1758238" cy="523220"/>
+          </a:xfrm>
+          <a:prstGeom prst="rect">
+            <a:avLst/>
+          </a:prstGeom>
+        </p:spPr>
+        <p:txBody>
+          <a:bodyPr wrap="none">
+            <a:spAutoFit/>
+          </a:bodyPr>
+          <a:lstStyle/>
+          <a:p>
+            <a:r>
+              <a:rPr lang="en-US" altLang="ko-KR" sz="2800" dirty="0">
+                <a:latin typeface="Seravek" charset="0"/>
+                <a:ea typeface="Seravek" charset="0"/>
+                <a:cs typeface="Seravek" charset="0"/>
+              </a:rPr>
+              <a:t>Key Points</a:t>
+            </a:r>
+            <a:endParaRPr lang="ko-KR" altLang="en-US" sz="2800" dirty="0">
+              <a:latin typeface="Seravek" charset="0"/>
+              <a:ea typeface="Seravek" charset="0"/>
+              <a:cs typeface="Seravek" charset="0"/>
+            </a:endParaRPr>
+          </a:p>
+        </p:txBody>
+      </p:sp>
+      <p:sp>
+        <p:nvSpPr>
+          <p:cNvPr id="18" name="텍스트 상자 17"/>
+          <p:cNvSpPr txBox="1"/>
+          <p:nvPr/>
+        </p:nvSpPr>
+        <p:spPr>
+          <a:xfrm>
+            <a:off x="1136286" y="989045"/>
+            <a:ext cx="4342599" cy="2751522"/>
+          </a:xfrm>
+          <a:prstGeom prst="rect">
+            <a:avLst/>
+          </a:prstGeom>
+          <a:noFill/>
+        </p:spPr>
+        <p:txBody>
+          <a:bodyPr wrap="none" rtlCol="0">
+            <a:spAutoFit/>
+          </a:bodyPr>
+          <a:lstStyle/>
+          <a:p>
+            <a:pPr>
+              <a:lnSpc>
+                <a:spcPct val="160000"/>
+              </a:lnSpc>
+            </a:pPr>
+            <a:r>
+              <a:rPr lang="en-US" altLang="ko-KR" b="1" dirty="0">
+                <a:latin typeface="Seravek Light" charset="0"/>
+                <a:ea typeface="Seravek Light" charset="0"/>
+                <a:cs typeface="Seravek Light" charset="0"/>
+              </a:rPr>
+              <a:t>Chapter 3: Displaying categorical data</a:t>
+            </a:r>
+          </a:p>
+          <a:p>
+            <a:pPr marL="314325" indent="-314325">
+              <a:lnSpc>
+                <a:spcPct val="160000"/>
+              </a:lnSpc>
+              <a:buFont typeface="Arial" charset="0"/>
+              <a:buChar char="•"/>
+            </a:pPr>
+            <a:r>
+              <a:rPr lang="en-US" altLang="ko-KR" dirty="0">
+                <a:latin typeface="Seravek Light" charset="0"/>
+                <a:ea typeface="Seravek Light" charset="0"/>
+                <a:cs typeface="Seravek Light" charset="0"/>
+              </a:rPr>
+              <a:t>Bar chart for categorical data</a:t>
+            </a:r>
+          </a:p>
+          <a:p>
+            <a:pPr marL="314325" indent="-314325">
+              <a:lnSpc>
+                <a:spcPct val="160000"/>
+              </a:lnSpc>
+              <a:buFont typeface="Arial" charset="0"/>
+              <a:buChar char="•"/>
+            </a:pPr>
+            <a:r>
+              <a:rPr lang="en-US" altLang="ko-KR" dirty="0">
+                <a:latin typeface="Seravek Light" charset="0"/>
+                <a:ea typeface="Seravek Light" charset="0"/>
+                <a:cs typeface="Seravek Light" charset="0"/>
+              </a:rPr>
+              <a:t>Pie chart for proportions of whole</a:t>
+            </a:r>
+          </a:p>
+          <a:p>
+            <a:pPr marL="314325" indent="-314325">
+              <a:lnSpc>
+                <a:spcPct val="160000"/>
+              </a:lnSpc>
+              <a:buFont typeface="Arial" charset="0"/>
+              <a:buChar char="•"/>
+            </a:pPr>
+            <a:r>
+              <a:rPr lang="en-US" altLang="ko-KR" dirty="0">
+                <a:latin typeface="Seravek Light" charset="0"/>
+                <a:ea typeface="Seravek Light" charset="0"/>
+                <a:cs typeface="Seravek Light" charset="0"/>
+              </a:rPr>
+              <a:t>Faithful reporting and the area principle</a:t>
+            </a:r>
+          </a:p>
+          <a:p>
+            <a:pPr marL="314325" indent="-314325">
+              <a:lnSpc>
+                <a:spcPct val="160000"/>
+              </a:lnSpc>
+              <a:buFont typeface="Arial" charset="0"/>
+              <a:buChar char="•"/>
+            </a:pPr>
+            <a:r>
+              <a:rPr lang="en-US" altLang="ko-KR" dirty="0">
+                <a:latin typeface="Seravek Light" charset="0"/>
+                <a:ea typeface="Seravek Light" charset="0"/>
+                <a:cs typeface="Seravek Light" charset="0"/>
+              </a:rPr>
+              <a:t>Contingency tables</a:t>
+            </a:r>
+          </a:p>
+          <a:p>
+            <a:pPr marL="314325" indent="-314325">
+              <a:lnSpc>
+                <a:spcPct val="160000"/>
+              </a:lnSpc>
+              <a:buFont typeface="Arial" charset="0"/>
+              <a:buChar char="•"/>
+            </a:pPr>
+            <a:r>
+              <a:rPr lang="en-US" altLang="ko-KR" dirty="0">
+                <a:latin typeface="Seravek Light" charset="0"/>
+                <a:ea typeface="Seravek Light" charset="0"/>
+                <a:cs typeface="Seravek Light" charset="0"/>
+              </a:rPr>
+              <a:t>Simpson’s paradox</a:t>
+            </a:r>
+          </a:p>
+        </p:txBody>
+      </p:sp>
+      <p:sp>
+        <p:nvSpPr>
+          <p:cNvPr id="12" name="텍스트 상자 11"/>
+          <p:cNvSpPr txBox="1"/>
+          <p:nvPr/>
+        </p:nvSpPr>
+        <p:spPr>
+          <a:xfrm>
+            <a:off x="6210641" y="2992823"/>
+            <a:ext cx="5139677" cy="2751522"/>
+          </a:xfrm>
+          <a:prstGeom prst="rect">
+            <a:avLst/>
+          </a:prstGeom>
+          <a:noFill/>
+        </p:spPr>
+        <p:txBody>
+          <a:bodyPr wrap="none" rtlCol="0">
+            <a:spAutoFit/>
+          </a:bodyPr>
+          <a:lstStyle/>
+          <a:p>
+            <a:pPr>
+              <a:lnSpc>
+                <a:spcPct val="160000"/>
+              </a:lnSpc>
+            </a:pPr>
+            <a:r>
+              <a:rPr lang="en-US" altLang="ko-KR" b="1" dirty="0">
+                <a:latin typeface="Seravek Light" charset="0"/>
+                <a:ea typeface="Seravek Light" charset="0"/>
+                <a:cs typeface="Seravek Light" charset="0"/>
+              </a:rPr>
+              <a:t>Chapter 4: Displaying quantitative data</a:t>
+            </a:r>
+          </a:p>
+          <a:p>
+            <a:pPr marL="314325" indent="-314325">
+              <a:lnSpc>
+                <a:spcPct val="160000"/>
+              </a:lnSpc>
+              <a:buFont typeface="Arial" charset="0"/>
+              <a:buChar char="•"/>
+            </a:pPr>
+            <a:r>
+              <a:rPr lang="en-US" altLang="ko-KR" dirty="0">
+                <a:latin typeface="Seravek Light" charset="0"/>
+                <a:ea typeface="Seravek Light" charset="0"/>
+                <a:cs typeface="Seravek Light" charset="0"/>
+              </a:rPr>
+              <a:t>Histograms, Stem-leaf, dot plots</a:t>
+            </a:r>
+          </a:p>
+          <a:p>
+            <a:pPr marL="314325" indent="-314325">
+              <a:lnSpc>
+                <a:spcPct val="160000"/>
+              </a:lnSpc>
+              <a:buFont typeface="Arial" charset="0"/>
+              <a:buChar char="•"/>
+            </a:pPr>
+            <a:r>
+              <a:rPr lang="en-US" altLang="ko-KR" dirty="0">
+                <a:latin typeface="Seravek Light" charset="0"/>
+                <a:ea typeface="Seravek Light" charset="0"/>
+                <a:cs typeface="Seravek Light" charset="0"/>
+              </a:rPr>
+              <a:t>Shape (mode, symmetrical)</a:t>
+            </a:r>
+          </a:p>
+          <a:p>
+            <a:pPr marL="314325" indent="-314325">
+              <a:lnSpc>
+                <a:spcPct val="160000"/>
+              </a:lnSpc>
+              <a:buFont typeface="Arial" charset="0"/>
+              <a:buChar char="•"/>
+            </a:pPr>
+            <a:r>
+              <a:rPr lang="en-US" altLang="ko-KR" dirty="0">
+                <a:latin typeface="Seravek Light" charset="0"/>
+                <a:ea typeface="Seravek Light" charset="0"/>
+                <a:cs typeface="Seravek Light" charset="0"/>
+              </a:rPr>
+              <a:t>Center (median, mean)</a:t>
+            </a:r>
+          </a:p>
+          <a:p>
+            <a:pPr marL="314325" indent="-314325">
+              <a:lnSpc>
+                <a:spcPct val="160000"/>
+              </a:lnSpc>
+              <a:buFont typeface="Arial" charset="0"/>
+              <a:buChar char="•"/>
+            </a:pPr>
+            <a:r>
+              <a:rPr lang="en-US" altLang="ko-KR" dirty="0">
+                <a:latin typeface="Seravek Light" charset="0"/>
+                <a:ea typeface="Seravek Light" charset="0"/>
+                <a:cs typeface="Seravek Light" charset="0"/>
+              </a:rPr>
+              <a:t>Spread (range, IQR, variance, standard deviation)</a:t>
+            </a:r>
+          </a:p>
+          <a:p>
+            <a:pPr marL="314325" indent="-314325">
+              <a:lnSpc>
+                <a:spcPct val="160000"/>
+              </a:lnSpc>
+              <a:buFont typeface="Arial" charset="0"/>
+              <a:buChar char="•"/>
+            </a:pPr>
+            <a:r>
+              <a:rPr lang="en-US" altLang="ko-KR" dirty="0">
+                <a:latin typeface="Seravek Light" charset="0"/>
+                <a:ea typeface="Seravek Light" charset="0"/>
+                <a:cs typeface="Seravek Light" charset="0"/>
+              </a:rPr>
+              <a:t>Box plots</a:t>
+            </a:r>
+          </a:p>
+        </p:txBody>
+      </p:sp>
+    </p:spTree>
+    <p:extLst>
+      <p:ext uri="{BB962C8B-B14F-4D97-AF65-F5344CB8AC3E}">
+        <p14:creationId xmlns:p14="http://schemas.microsoft.com/office/powerpoint/2010/main" val="2783504484"/>
+      </p:ext>
+    </p:extLst>
+  </p:cSld>
+  <p:clrMapOvr>
+    <a:masterClrMapping/>
+  </p:clrMapOvr>
+</p:sld>
+</file>
+
+<file path=ppt/slides/slide20.xml><?xml version="1.0" encoding="utf-8"?>
 <p:sld xmlns:a="http://schemas.openxmlformats.org/drawingml/2006/main" xmlns:r="http://schemas.openxmlformats.org/officeDocument/2006/relationships" xmlns:p="http://schemas.openxmlformats.org/presentationml/2006/main">
   <p:cSld>
     <p:spTree>
@@ -14325,6 +13967,51 @@
                       </p:childTnLst>
                     </p:cTn>
                   </p:par>
+                  <p:par>
+                    <p:cTn id="8" fill="hold">
+                      <p:stCondLst>
+                        <p:cond delay="indefinite"/>
+                      </p:stCondLst>
+                      <p:childTnLst>
+                        <p:par>
+                          <p:cTn id="9" fill="hold">
+                            <p:stCondLst>
+                              <p:cond delay="0"/>
+                            </p:stCondLst>
+                            <p:childTnLst>
+                              <p:par>
+                                <p:cTn id="10" presetID="1" presetClass="entr" presetSubtype="0" fill="hold" nodeType="clickEffect">
+                                  <p:stCondLst>
+                                    <p:cond delay="0"/>
+                                  </p:stCondLst>
+                                  <p:childTnLst>
+                                    <p:set>
+                                      <p:cBhvr>
+                                        <p:cTn id="11" dur="1" fill="hold">
+                                          <p:stCondLst>
+                                            <p:cond delay="0"/>
+                                          </p:stCondLst>
+                                        </p:cTn>
+                                        <p:tgtEl>
+                                          <p:spTgt spid="7"/>
+                                        </p:tgtEl>
+                                        <p:attrNameLst>
+                                          <p:attrName>style.visibility</p:attrName>
+                                        </p:attrNameLst>
+                                      </p:cBhvr>
+                                      <p:to>
+                                        <p:strVal val="visible"/>
+                                      </p:to>
+                                    </p:set>
+                                  </p:childTnLst>
+                                </p:cTn>
+                              </p:par>
+                            </p:childTnLst>
+                          </p:cTn>
+                        </p:par>
+                      </p:childTnLst>
+                    </p:cTn>
+                  </p:par>
                 </p:childTnLst>
               </p:cTn>
               <p:prevCondLst>
@@ -14350,7 +14037,7 @@
 </p:sld>
 </file>
 
-<file path=ppt/slides/slide22.xml><?xml version="1.0" encoding="utf-8"?>
+<file path=ppt/slides/slide21.xml><?xml version="1.0" encoding="utf-8"?>
 <p:sld xmlns:a="http://schemas.openxmlformats.org/drawingml/2006/main" xmlns:r="http://schemas.openxmlformats.org/officeDocument/2006/relationships" xmlns:p="http://schemas.openxmlformats.org/presentationml/2006/main">
   <p:cSld>
     <p:spTree>
